--- a/pictures/slideshow.pptx
+++ b/pictures/slideshow.pptx
@@ -8,7 +8,8 @@
     <p:sldId id="256" r:id="rId2"/>
     <p:sldId id="259" r:id="rId3"/>
     <p:sldId id="261" r:id="rId4"/>
-    <p:sldId id="258" r:id="rId5"/>
+    <p:sldId id="262" r:id="rId5"/>
+    <p:sldId id="258" r:id="rId6"/>
   </p:sldIdLst>
   <p:sldSz cx="27432000" cy="4572000"/>
   <p:notesSz cx="6858000" cy="9144000"/>
@@ -107,6 +108,11 @@
       </a:defRPr>
     </a:lvl9pPr>
   </p:defaultTextStyle>
+  <p:extLst>
+    <p:ext uri="{EFAFB233-063F-42B5-8137-9DF3F51BA10A}">
+      <p15:sldGuideLst xmlns:p15="http://schemas.microsoft.com/office/powerpoint/2012/main"/>
+    </p:ext>
+  </p:extLst>
 </p:presentation>
 </file>
 
@@ -3319,8 +3325,8 @@
           </a:p>
         </p:txBody>
       </p:sp>
-      <mc:AlternateContent xmlns:mc="http://schemas.openxmlformats.org/markup-compatibility/2006">
-        <mc:Choice xmlns:a14="http://schemas.microsoft.com/office/drawing/2010/main" Requires="a14">
+      <mc:AlternateContent xmlns:mc="http://schemas.openxmlformats.org/markup-compatibility/2006" xmlns:a14="http://schemas.microsoft.com/office/drawing/2010/main">
+        <mc:Choice Requires="a14">
           <p:sp>
             <p:nvSpPr>
               <p:cNvPr id="5" name="TextBox 4">
@@ -3511,7 +3517,7 @@
             </p:txBody>
           </p:sp>
         </mc:Choice>
-        <mc:Fallback>
+        <mc:Fallback xmlns="">
           <p:sp>
             <p:nvSpPr>
               <p:cNvPr id="5" name="TextBox 4">
@@ -3586,12 +3592,750 @@
           <a:chExt cx="0" cy="0"/>
         </a:xfrm>
       </p:grpSpPr>
+      <p:sp>
+        <p:nvSpPr>
+          <p:cNvPr id="2" name="Freeform: Shape 1">
+            <a:extLst>
+              <a:ext uri="{FF2B5EF4-FFF2-40B4-BE49-F238E27FC236}">
+                <a16:creationId xmlns:a16="http://schemas.microsoft.com/office/drawing/2014/main" id="{54C2EA3A-0151-4689-AE70-5C1FC85BE96A}"/>
+              </a:ext>
+            </a:extLst>
+          </p:cNvPr>
+          <p:cNvSpPr/>
+          <p:nvPr/>
+        </p:nvSpPr>
+        <p:spPr>
+          <a:xfrm>
+            <a:off x="15701243" y="496875"/>
+            <a:ext cx="2089652" cy="1407914"/>
+          </a:xfrm>
+          <a:custGeom>
+            <a:avLst/>
+            <a:gdLst>
+              <a:gd name="connsiteX0" fmla="*/ 851695 w 1741034"/>
+              <a:gd name="connsiteY0" fmla="*/ 17842 h 1200673"/>
+              <a:gd name="connsiteX1" fmla="*/ 190513 w 1741034"/>
+              <a:gd name="connsiteY1" fmla="*/ 271060 h 1200673"/>
+              <a:gd name="connsiteX2" fmla="*/ 49836 w 1741034"/>
+              <a:gd name="connsiteY2" fmla="*/ 847836 h 1200673"/>
+              <a:gd name="connsiteX3" fmla="*/ 936101 w 1741034"/>
+              <a:gd name="connsiteY3" fmla="*/ 1199528 h 1200673"/>
+              <a:gd name="connsiteX4" fmla="*/ 1709824 w 1741034"/>
+              <a:gd name="connsiteY4" fmla="*/ 735294 h 1200673"/>
+              <a:gd name="connsiteX5" fmla="*/ 1512876 w 1741034"/>
+              <a:gd name="connsiteY5" fmla="*/ 102248 h 1200673"/>
+              <a:gd name="connsiteX6" fmla="*/ 851695 w 1741034"/>
+              <a:gd name="connsiteY6" fmla="*/ 17842 h 1200673"/>
+            </a:gdLst>
+            <a:ahLst/>
+            <a:cxnLst>
+              <a:cxn ang="0">
+                <a:pos x="connsiteX0" y="connsiteY0"/>
+              </a:cxn>
+              <a:cxn ang="0">
+                <a:pos x="connsiteX1" y="connsiteY1"/>
+              </a:cxn>
+              <a:cxn ang="0">
+                <a:pos x="connsiteX2" y="connsiteY2"/>
+              </a:cxn>
+              <a:cxn ang="0">
+                <a:pos x="connsiteX3" y="connsiteY3"/>
+              </a:cxn>
+              <a:cxn ang="0">
+                <a:pos x="connsiteX4" y="connsiteY4"/>
+              </a:cxn>
+              <a:cxn ang="0">
+                <a:pos x="connsiteX5" y="connsiteY5"/>
+              </a:cxn>
+              <a:cxn ang="0">
+                <a:pos x="connsiteX6" y="connsiteY6"/>
+              </a:cxn>
+            </a:cxnLst>
+            <a:rect l="l" t="t" r="r" b="b"/>
+            <a:pathLst>
+              <a:path w="1741034" h="1200673">
+                <a:moveTo>
+                  <a:pt x="851695" y="17842"/>
+                </a:moveTo>
+                <a:cubicBezTo>
+                  <a:pt x="631301" y="45977"/>
+                  <a:pt x="324156" y="132728"/>
+                  <a:pt x="190513" y="271060"/>
+                </a:cubicBezTo>
+                <a:cubicBezTo>
+                  <a:pt x="56870" y="409392"/>
+                  <a:pt x="-74429" y="693091"/>
+                  <a:pt x="49836" y="847836"/>
+                </a:cubicBezTo>
+                <a:cubicBezTo>
+                  <a:pt x="174101" y="1002581"/>
+                  <a:pt x="659436" y="1218285"/>
+                  <a:pt x="936101" y="1199528"/>
+                </a:cubicBezTo>
+                <a:cubicBezTo>
+                  <a:pt x="1212766" y="1180771"/>
+                  <a:pt x="1613695" y="918174"/>
+                  <a:pt x="1709824" y="735294"/>
+                </a:cubicBezTo>
+                <a:cubicBezTo>
+                  <a:pt x="1805953" y="552414"/>
+                  <a:pt x="1662931" y="224168"/>
+                  <a:pt x="1512876" y="102248"/>
+                </a:cubicBezTo>
+                <a:cubicBezTo>
+                  <a:pt x="1362821" y="-19672"/>
+                  <a:pt x="1072089" y="-10293"/>
+                  <a:pt x="851695" y="17842"/>
+                </a:cubicBezTo>
+                <a:close/>
+              </a:path>
+            </a:pathLst>
+          </a:custGeom>
+          <a:solidFill>
+            <a:schemeClr val="bg1">
+              <a:lumMod val="85000"/>
+            </a:schemeClr>
+          </a:solidFill>
+          <a:ln w="57150">
+            <a:solidFill>
+              <a:schemeClr val="bg1">
+                <a:lumMod val="50000"/>
+              </a:schemeClr>
+            </a:solidFill>
+          </a:ln>
+        </p:spPr>
+        <p:style>
+          <a:lnRef idx="2">
+            <a:schemeClr val="accent1">
+              <a:shade val="50000"/>
+            </a:schemeClr>
+          </a:lnRef>
+          <a:fillRef idx="1">
+            <a:schemeClr val="accent1"/>
+          </a:fillRef>
+          <a:effectRef idx="0">
+            <a:schemeClr val="accent1"/>
+          </a:effectRef>
+          <a:fontRef idx="minor">
+            <a:schemeClr val="lt1"/>
+          </a:fontRef>
+        </p:style>
+        <p:txBody>
+          <a:bodyPr rtlCol="0" anchor="ctr"/>
+          <a:lstStyle/>
+          <a:p>
+            <a:pPr algn="ctr"/>
+            <a:r>
+              <a:rPr lang="en-US" sz="2800" b="1" dirty="0">
+                <a:solidFill>
+                  <a:schemeClr val="bg1">
+                    <a:lumMod val="65000"/>
+                  </a:schemeClr>
+                </a:solidFill>
+              </a:rPr>
+              <a:t>O R E</a:t>
+            </a:r>
+          </a:p>
+        </p:txBody>
+      </p:sp>
+      <mc:AlternateContent xmlns:mc="http://schemas.openxmlformats.org/markup-compatibility/2006">
+        <mc:Choice xmlns:a14="http://schemas.microsoft.com/office/drawing/2010/main" Requires="a14">
+          <p:sp>
+            <p:nvSpPr>
+              <p:cNvPr id="3" name="TextBox 2">
+                <a:extLst>
+                  <a:ext uri="{FF2B5EF4-FFF2-40B4-BE49-F238E27FC236}">
+                    <a16:creationId xmlns:a16="http://schemas.microsoft.com/office/drawing/2014/main" id="{14EA2D25-0D6B-4511-BF12-C1BA4B12C733}"/>
+                  </a:ext>
+                </a:extLst>
+              </p:cNvPr>
+              <p:cNvSpPr txBox="1"/>
+              <p:nvPr/>
+            </p:nvSpPr>
+            <p:spPr>
+              <a:xfrm>
+                <a:off x="18301481" y="954611"/>
+                <a:ext cx="4229298" cy="492443"/>
+              </a:xfrm>
+              <a:prstGeom prst="rect">
+                <a:avLst/>
+              </a:prstGeom>
+              <a:noFill/>
+            </p:spPr>
+            <p:txBody>
+              <a:bodyPr wrap="none" lIns="0" tIns="0" rIns="0" bIns="0" rtlCol="0">
+                <a:spAutoFit/>
+              </a:bodyPr>
+              <a:lstStyle/>
+              <a:p>
+                <a:pPr/>
+                <a14:m>
+                  <m:oMathPara xmlns:m="http://schemas.openxmlformats.org/officeDocument/2006/math">
+                    <m:oMathParaPr>
+                      <m:jc m:val="centerGroup"/>
+                    </m:oMathParaPr>
+                    <m:oMath xmlns:m="http://schemas.openxmlformats.org/officeDocument/2006/math">
+                      <m:r>
+                        <a:rPr lang="en-US" sz="3200" b="0" i="1" smtClean="0">
+                          <a:solidFill>
+                            <a:schemeClr val="tx1">
+                              <a:lumMod val="50000"/>
+                              <a:lumOff val="50000"/>
+                            </a:schemeClr>
+                          </a:solidFill>
+                          <a:latin typeface="Cambria Math" panose="02040503050406030204" pitchFamily="18" charset="0"/>
+                        </a:rPr>
+                        <m:t>+     </m:t>
+                      </m:r>
+                      <m:r>
+                        <a:rPr lang="en-US" sz="3200" b="0" i="1" smtClean="0">
+                          <a:solidFill>
+                            <a:schemeClr val="accent4">
+                              <a:lumMod val="75000"/>
+                            </a:schemeClr>
+                          </a:solidFill>
+                          <a:effectLst>
+                            <a:glow rad="381000">
+                              <a:schemeClr val="accent4">
+                                <a:lumMod val="20000"/>
+                                <a:lumOff val="80000"/>
+                                <a:alpha val="70000"/>
+                              </a:schemeClr>
+                            </a:glow>
+                          </a:effectLst>
+                          <a:latin typeface="Cambria Math" panose="02040503050406030204" pitchFamily="18" charset="0"/>
+                        </a:rPr>
+                        <m:t>𝑃𝐻𝐿𝑂𝐺𝐼𝑆𝑇𝑂𝑁</m:t>
+                      </m:r>
+                      <m:r>
+                        <a:rPr lang="en-US" sz="3200" b="0" i="1" smtClean="0">
+                          <a:solidFill>
+                            <a:schemeClr val="tx1">
+                              <a:lumMod val="50000"/>
+                              <a:lumOff val="50000"/>
+                            </a:schemeClr>
+                          </a:solidFill>
+                          <a:latin typeface="Cambria Math" panose="02040503050406030204" pitchFamily="18" charset="0"/>
+                        </a:rPr>
+                        <m:t>     =</m:t>
+                      </m:r>
+                    </m:oMath>
+                  </m:oMathPara>
+                </a14:m>
+                <a:endParaRPr lang="en-US" sz="3200" dirty="0">
+                  <a:solidFill>
+                    <a:schemeClr val="tx1">
+                      <a:lumMod val="50000"/>
+                      <a:lumOff val="50000"/>
+                    </a:schemeClr>
+                  </a:solidFill>
+                </a:endParaRPr>
+              </a:p>
+            </p:txBody>
+          </p:sp>
+        </mc:Choice>
+        <mc:Fallback>
+          <p:sp>
+            <p:nvSpPr>
+              <p:cNvPr id="3" name="TextBox 2">
+                <a:extLst>
+                  <a:ext uri="{FF2B5EF4-FFF2-40B4-BE49-F238E27FC236}">
+                    <a16:creationId xmlns:a16="http://schemas.microsoft.com/office/drawing/2014/main" id="{14EA2D25-0D6B-4511-BF12-C1BA4B12C733}"/>
+                  </a:ext>
+                </a:extLst>
+              </p:cNvPr>
+              <p:cNvSpPr txBox="1">
+                <a:spLocks noRot="1" noChangeAspect="1" noMove="1" noResize="1" noEditPoints="1" noAdjustHandles="1" noChangeArrowheads="1" noChangeShapeType="1" noTextEdit="1"/>
+              </p:cNvSpPr>
+              <p:nvPr/>
+            </p:nvSpPr>
+            <p:spPr>
+              <a:xfrm>
+                <a:off x="18301481" y="954611"/>
+                <a:ext cx="4229298" cy="492443"/>
+              </a:xfrm>
+              <a:prstGeom prst="rect">
+                <a:avLst/>
+              </a:prstGeom>
+              <a:blipFill>
+                <a:blip r:embed="rId2"/>
+                <a:stretch>
+                  <a:fillRect t="-21250" b="-22500"/>
+                </a:stretch>
+              </a:blipFill>
+            </p:spPr>
+            <p:txBody>
+              <a:bodyPr/>
+              <a:lstStyle/>
+              <a:p>
+                <a:r>
+                  <a:rPr lang="en-US">
+                    <a:noFill/>
+                  </a:rPr>
+                  <a:t> </a:t>
+                </a:r>
+              </a:p>
+            </p:txBody>
+          </p:sp>
+        </mc:Fallback>
+      </mc:AlternateContent>
+      <p:sp>
+        <p:nvSpPr>
+          <p:cNvPr id="4" name="Trapezoid 3">
+            <a:extLst>
+              <a:ext uri="{FF2B5EF4-FFF2-40B4-BE49-F238E27FC236}">
+                <a16:creationId xmlns:a16="http://schemas.microsoft.com/office/drawing/2014/main" id="{921FC988-6422-4314-B375-927A33F217C8}"/>
+              </a:ext>
+            </a:extLst>
+          </p:cNvPr>
+          <p:cNvSpPr/>
+          <p:nvPr/>
+        </p:nvSpPr>
+        <p:spPr>
+          <a:xfrm>
+            <a:off x="15358793" y="2971016"/>
+            <a:ext cx="2774553" cy="956603"/>
+          </a:xfrm>
+          <a:prstGeom prst="trapezoid">
+            <a:avLst/>
+          </a:prstGeom>
+          <a:gradFill flip="none" rotWithShape="1">
+            <a:gsLst>
+              <a:gs pos="49000">
+                <a:schemeClr val="bg1">
+                  <a:lumMod val="85000"/>
+                </a:schemeClr>
+              </a:gs>
+              <a:gs pos="23000">
+                <a:schemeClr val="bg1">
+                  <a:lumMod val="75000"/>
+                </a:schemeClr>
+              </a:gs>
+              <a:gs pos="85000">
+                <a:schemeClr val="bg1">
+                  <a:lumMod val="75000"/>
+                </a:schemeClr>
+              </a:gs>
+            </a:gsLst>
+            <a:lin ang="13500000" scaled="1"/>
+            <a:tileRect/>
+          </a:gradFill>
+          <a:ln w="57150">
+            <a:solidFill>
+              <a:schemeClr val="bg1">
+                <a:lumMod val="65000"/>
+              </a:schemeClr>
+            </a:solidFill>
+          </a:ln>
+        </p:spPr>
+        <p:style>
+          <a:lnRef idx="2">
+            <a:schemeClr val="accent1">
+              <a:shade val="50000"/>
+            </a:schemeClr>
+          </a:lnRef>
+          <a:fillRef idx="1">
+            <a:schemeClr val="accent1"/>
+          </a:fillRef>
+          <a:effectRef idx="0">
+            <a:schemeClr val="accent1"/>
+          </a:effectRef>
+          <a:fontRef idx="minor">
+            <a:schemeClr val="lt1"/>
+          </a:fontRef>
+        </p:style>
+        <p:txBody>
+          <a:bodyPr rtlCol="0" anchor="ctr"/>
+          <a:lstStyle/>
+          <a:p>
+            <a:pPr algn="ctr"/>
+            <a:r>
+              <a:rPr lang="en-US" sz="2400" b="1" dirty="0">
+                <a:solidFill>
+                  <a:schemeClr val="bg1">
+                    <a:lumMod val="65000"/>
+                  </a:schemeClr>
+                </a:solidFill>
+              </a:rPr>
+              <a:t>M E T A L</a:t>
+            </a:r>
+          </a:p>
+        </p:txBody>
+      </p:sp>
+      <mc:AlternateContent xmlns:mc="http://schemas.openxmlformats.org/markup-compatibility/2006">
+        <mc:Choice xmlns:a14="http://schemas.microsoft.com/office/drawing/2010/main" Requires="a14">
+          <p:sp>
+            <p:nvSpPr>
+              <p:cNvPr id="5" name="TextBox 4">
+                <a:extLst>
+                  <a:ext uri="{FF2B5EF4-FFF2-40B4-BE49-F238E27FC236}">
+                    <a16:creationId xmlns:a16="http://schemas.microsoft.com/office/drawing/2014/main" id="{6E43F162-9A24-4B24-BD94-F43F3693DEDE}"/>
+                  </a:ext>
+                </a:extLst>
+              </p:cNvPr>
+              <p:cNvSpPr txBox="1"/>
+              <p:nvPr/>
+            </p:nvSpPr>
+            <p:spPr>
+              <a:xfrm>
+                <a:off x="18301481" y="3203097"/>
+                <a:ext cx="4229299" cy="492443"/>
+              </a:xfrm>
+              <a:prstGeom prst="rect">
+                <a:avLst/>
+              </a:prstGeom>
+              <a:noFill/>
+            </p:spPr>
+            <p:txBody>
+              <a:bodyPr wrap="none" lIns="0" tIns="0" rIns="0" bIns="0" rtlCol="0">
+                <a:spAutoFit/>
+              </a:bodyPr>
+              <a:lstStyle/>
+              <a:p>
+                <a:pPr/>
+                <a14:m>
+                  <m:oMathPara xmlns:m="http://schemas.openxmlformats.org/officeDocument/2006/math">
+                    <m:oMathParaPr>
+                      <m:jc m:val="centerGroup"/>
+                    </m:oMathParaPr>
+                    <m:oMath xmlns:m="http://schemas.openxmlformats.org/officeDocument/2006/math">
+                      <m:r>
+                        <a:rPr lang="en-US" sz="3200" b="0" i="1" smtClean="0">
+                          <a:solidFill>
+                            <a:schemeClr val="tx1">
+                              <a:lumMod val="50000"/>
+                              <a:lumOff val="50000"/>
+                            </a:schemeClr>
+                          </a:solidFill>
+                          <a:latin typeface="Cambria Math" panose="02040503050406030204" pitchFamily="18" charset="0"/>
+                        </a:rPr>
+                        <m:t>−     </m:t>
+                      </m:r>
+                      <m:r>
+                        <a:rPr lang="en-US" sz="3200" b="0" i="1" smtClean="0">
+                          <a:solidFill>
+                            <a:schemeClr val="accent4">
+                              <a:lumMod val="75000"/>
+                            </a:schemeClr>
+                          </a:solidFill>
+                          <a:effectLst>
+                            <a:glow rad="381000">
+                              <a:schemeClr val="accent4">
+                                <a:lumMod val="20000"/>
+                                <a:lumOff val="80000"/>
+                                <a:alpha val="70000"/>
+                              </a:schemeClr>
+                            </a:glow>
+                          </a:effectLst>
+                          <a:latin typeface="Cambria Math" panose="02040503050406030204" pitchFamily="18" charset="0"/>
+                        </a:rPr>
+                        <m:t>𝑃𝐻𝐿𝑂𝐺𝐼𝑆𝑇𝑂𝑁</m:t>
+                      </m:r>
+                      <m:r>
+                        <a:rPr lang="en-US" sz="3200" b="0" i="1" smtClean="0">
+                          <a:solidFill>
+                            <a:schemeClr val="tx1">
+                              <a:lumMod val="50000"/>
+                              <a:lumOff val="50000"/>
+                            </a:schemeClr>
+                          </a:solidFill>
+                          <a:latin typeface="Cambria Math" panose="02040503050406030204" pitchFamily="18" charset="0"/>
+                        </a:rPr>
+                        <m:t>     =</m:t>
+                      </m:r>
+                    </m:oMath>
+                  </m:oMathPara>
+                </a14:m>
+                <a:endParaRPr lang="en-US" sz="3200" dirty="0">
+                  <a:solidFill>
+                    <a:schemeClr val="tx1">
+                      <a:lumMod val="50000"/>
+                      <a:lumOff val="50000"/>
+                    </a:schemeClr>
+                  </a:solidFill>
+                </a:endParaRPr>
+              </a:p>
+            </p:txBody>
+          </p:sp>
+        </mc:Choice>
+        <mc:Fallback>
+          <p:sp>
+            <p:nvSpPr>
+              <p:cNvPr id="5" name="TextBox 4">
+                <a:extLst>
+                  <a:ext uri="{FF2B5EF4-FFF2-40B4-BE49-F238E27FC236}">
+                    <a16:creationId xmlns:a16="http://schemas.microsoft.com/office/drawing/2014/main" id="{6E43F162-9A24-4B24-BD94-F43F3693DEDE}"/>
+                  </a:ext>
+                </a:extLst>
+              </p:cNvPr>
+              <p:cNvSpPr txBox="1">
+                <a:spLocks noRot="1" noChangeAspect="1" noMove="1" noResize="1" noEditPoints="1" noAdjustHandles="1" noChangeArrowheads="1" noChangeShapeType="1" noTextEdit="1"/>
+              </p:cNvSpPr>
+              <p:nvPr/>
+            </p:nvSpPr>
+            <p:spPr>
+              <a:xfrm>
+                <a:off x="18301481" y="3203097"/>
+                <a:ext cx="4229299" cy="492443"/>
+              </a:xfrm>
+              <a:prstGeom prst="rect">
+                <a:avLst/>
+              </a:prstGeom>
+              <a:blipFill>
+                <a:blip r:embed="rId3"/>
+                <a:stretch>
+                  <a:fillRect t="-19753" b="-22222"/>
+                </a:stretch>
+              </a:blipFill>
+            </p:spPr>
+            <p:txBody>
+              <a:bodyPr/>
+              <a:lstStyle/>
+              <a:p>
+                <a:r>
+                  <a:rPr lang="en-US">
+                    <a:noFill/>
+                  </a:rPr>
+                  <a:t> </a:t>
+                </a:r>
+              </a:p>
+            </p:txBody>
+          </p:sp>
+        </mc:Fallback>
+      </mc:AlternateContent>
+      <p:sp>
+        <p:nvSpPr>
+          <p:cNvPr id="6" name="Trapezoid 5">
+            <a:extLst>
+              <a:ext uri="{FF2B5EF4-FFF2-40B4-BE49-F238E27FC236}">
+                <a16:creationId xmlns:a16="http://schemas.microsoft.com/office/drawing/2014/main" id="{B323878E-7999-492E-9EF6-9A4327858BE7}"/>
+              </a:ext>
+            </a:extLst>
+          </p:cNvPr>
+          <p:cNvSpPr/>
+          <p:nvPr/>
+        </p:nvSpPr>
+        <p:spPr>
+          <a:xfrm>
+            <a:off x="23041365" y="722530"/>
+            <a:ext cx="2774553" cy="956603"/>
+          </a:xfrm>
+          <a:prstGeom prst="trapezoid">
+            <a:avLst/>
+          </a:prstGeom>
+          <a:gradFill flip="none" rotWithShape="1">
+            <a:gsLst>
+              <a:gs pos="49000">
+                <a:schemeClr val="bg1">
+                  <a:lumMod val="85000"/>
+                </a:schemeClr>
+              </a:gs>
+              <a:gs pos="23000">
+                <a:schemeClr val="bg1">
+                  <a:lumMod val="75000"/>
+                </a:schemeClr>
+              </a:gs>
+              <a:gs pos="85000">
+                <a:schemeClr val="bg1">
+                  <a:lumMod val="75000"/>
+                </a:schemeClr>
+              </a:gs>
+            </a:gsLst>
+            <a:lin ang="13500000" scaled="1"/>
+            <a:tileRect/>
+          </a:gradFill>
+          <a:ln w="57150">
+            <a:solidFill>
+              <a:schemeClr val="bg1">
+                <a:lumMod val="65000"/>
+              </a:schemeClr>
+            </a:solidFill>
+          </a:ln>
+        </p:spPr>
+        <p:style>
+          <a:lnRef idx="2">
+            <a:schemeClr val="accent1">
+              <a:shade val="50000"/>
+            </a:schemeClr>
+          </a:lnRef>
+          <a:fillRef idx="1">
+            <a:schemeClr val="accent1"/>
+          </a:fillRef>
+          <a:effectRef idx="0">
+            <a:schemeClr val="accent1"/>
+          </a:effectRef>
+          <a:fontRef idx="minor">
+            <a:schemeClr val="lt1"/>
+          </a:fontRef>
+        </p:style>
+        <p:txBody>
+          <a:bodyPr rtlCol="0" anchor="ctr"/>
+          <a:lstStyle/>
+          <a:p>
+            <a:pPr algn="ctr"/>
+            <a:r>
+              <a:rPr lang="en-US" sz="2400" b="1" dirty="0">
+                <a:solidFill>
+                  <a:schemeClr val="bg1">
+                    <a:lumMod val="65000"/>
+                  </a:schemeClr>
+                </a:solidFill>
+              </a:rPr>
+              <a:t>M E T A L</a:t>
+            </a:r>
+          </a:p>
+        </p:txBody>
+      </p:sp>
+      <p:sp>
+        <p:nvSpPr>
+          <p:cNvPr id="7" name="Trapezoid 6">
+            <a:extLst>
+              <a:ext uri="{FF2B5EF4-FFF2-40B4-BE49-F238E27FC236}">
+                <a16:creationId xmlns:a16="http://schemas.microsoft.com/office/drawing/2014/main" id="{02534E00-E545-44E8-9FDC-FFE45E44659A}"/>
+              </a:ext>
+            </a:extLst>
+          </p:cNvPr>
+          <p:cNvSpPr/>
+          <p:nvPr/>
+        </p:nvSpPr>
+        <p:spPr>
+          <a:xfrm>
+            <a:off x="23041364" y="2971015"/>
+            <a:ext cx="2774553" cy="956603"/>
+          </a:xfrm>
+          <a:prstGeom prst="trapezoid">
+            <a:avLst/>
+          </a:prstGeom>
+          <a:gradFill flip="none" rotWithShape="1">
+            <a:gsLst>
+              <a:gs pos="66000">
+                <a:schemeClr val="accent4">
+                  <a:lumMod val="60000"/>
+                  <a:lumOff val="40000"/>
+                </a:schemeClr>
+              </a:gs>
+              <a:gs pos="0">
+                <a:srgbClr val="FFC000"/>
+              </a:gs>
+            </a:gsLst>
+            <a:lin ang="5400000" scaled="1"/>
+            <a:tileRect/>
+          </a:gradFill>
+          <a:ln w="57150">
+            <a:solidFill>
+              <a:schemeClr val="accent4">
+                <a:lumMod val="75000"/>
+              </a:schemeClr>
+            </a:solidFill>
+          </a:ln>
+        </p:spPr>
+        <p:style>
+          <a:lnRef idx="2">
+            <a:schemeClr val="accent1">
+              <a:shade val="50000"/>
+            </a:schemeClr>
+          </a:lnRef>
+          <a:fillRef idx="1">
+            <a:schemeClr val="accent1"/>
+          </a:fillRef>
+          <a:effectRef idx="0">
+            <a:schemeClr val="accent1"/>
+          </a:effectRef>
+          <a:fontRef idx="minor">
+            <a:schemeClr val="lt1"/>
+          </a:fontRef>
+        </p:style>
+        <p:txBody>
+          <a:bodyPr rtlCol="0" anchor="ctr"/>
+          <a:lstStyle/>
+          <a:p>
+            <a:pPr algn="ctr"/>
+            <a:r>
+              <a:rPr lang="en-US" sz="2400" b="1" dirty="0">
+                <a:solidFill>
+                  <a:schemeClr val="accent4">
+                    <a:lumMod val="75000"/>
+                  </a:schemeClr>
+                </a:solidFill>
+              </a:rPr>
+              <a:t>R U S T</a:t>
+            </a:r>
+          </a:p>
+        </p:txBody>
+      </p:sp>
+      <p:sp>
+        <p:nvSpPr>
+          <p:cNvPr id="8" name="TextBox 7">
+            <a:extLst>
+              <a:ext uri="{FF2B5EF4-FFF2-40B4-BE49-F238E27FC236}">
+                <a16:creationId xmlns:a16="http://schemas.microsoft.com/office/drawing/2014/main" id="{4250DDC6-08F9-45D3-B978-1D2F8D07BD27}"/>
+              </a:ext>
+            </a:extLst>
+          </p:cNvPr>
+          <p:cNvSpPr txBox="1"/>
+          <p:nvPr/>
+        </p:nvSpPr>
+        <p:spPr>
+          <a:xfrm>
+            <a:off x="304800" y="393174"/>
+            <a:ext cx="14543407" cy="3785652"/>
+          </a:xfrm>
+          <a:prstGeom prst="rect">
+            <a:avLst/>
+          </a:prstGeom>
+          <a:noFill/>
+        </p:spPr>
+        <p:txBody>
+          <a:bodyPr wrap="square" rtlCol="0">
+            <a:spAutoFit/>
+          </a:bodyPr>
+          <a:lstStyle/>
+          <a:p>
+            <a:r>
+              <a:rPr lang="en-US" sz="6000" dirty="0">
+                <a:latin typeface="SF Cartoonist Hand" panose="02000506000000020003" pitchFamily="2" charset="0"/>
+              </a:rPr>
+              <a:t>Learn about the phlogiston theory, a superseded scientific 		theory that postulated that a fire-like element called 					phlogiston is contained within combustible bodies and 							released during combustion</a:t>
+            </a:r>
+          </a:p>
+        </p:txBody>
+      </p:sp>
+    </p:spTree>
+    <p:extLst>
+      <p:ext uri="{BB962C8B-B14F-4D97-AF65-F5344CB8AC3E}">
+        <p14:creationId xmlns:p14="http://schemas.microsoft.com/office/powerpoint/2010/main" val="2900418067"/>
+      </p:ext>
+    </p:extLst>
+  </p:cSld>
+  <p:clrMapOvr>
+    <a:masterClrMapping/>
+  </p:clrMapOvr>
+</p:sld>
+</file>
+
+<file path=ppt/slides/slide5.xml><?xml version="1.0" encoding="utf-8"?>
+<p:sld xmlns:a="http://schemas.openxmlformats.org/drawingml/2006/main" xmlns:r="http://schemas.openxmlformats.org/officeDocument/2006/relationships" xmlns:p="http://schemas.openxmlformats.org/presentationml/2006/main">
+  <p:cSld>
+    <p:spTree>
+      <p:nvGrpSpPr>
+        <p:cNvPr id="1" name=""/>
+        <p:cNvGrpSpPr/>
+        <p:nvPr/>
+      </p:nvGrpSpPr>
+      <p:grpSpPr>
+        <a:xfrm>
+          <a:off x="0" y="0"/>
+          <a:ext cx="0" cy="0"/>
+          <a:chOff x="0" y="0"/>
+          <a:chExt cx="0" cy="0"/>
+        </a:xfrm>
+      </p:grpSpPr>
       <p:pic>
         <p:nvPicPr>
-          <p:cNvPr id="7" name="Picture 6">
+          <p:cNvPr id="2" name="Picture 1">
             <a:extLst>
               <a:ext uri="{FF2B5EF4-FFF2-40B4-BE49-F238E27FC236}">
-                <a16:creationId xmlns:a16="http://schemas.microsoft.com/office/drawing/2014/main" id="{FE0233EB-677E-4CD9-AFCB-02D68EC93F5A}"/>
+                <a16:creationId xmlns:a16="http://schemas.microsoft.com/office/drawing/2014/main" id="{240E2B80-6D88-40AB-8703-DAA4412DE3DF}"/>
               </a:ext>
             </a:extLst>
           </p:cNvPr>
